--- a/Draft/ASE_2017/dda_framework.pptx
+++ b/Draft/ASE_2017/dda_framework.pptx
@@ -3880,14 +3880,13 @@
           <p:cNvPr id="52" name="Straight Arrow Connector 51"/>
           <p:cNvCxnSpPr>
             <a:stCxn id="51" idx="2"/>
-            <a:endCxn id="38" idx="0"/>
           </p:cNvCxnSpPr>
           <p:nvPr/>
         </p:nvCxnSpPr>
         <p:spPr>
           <a:xfrm>
             <a:off x="4492566" y="486019"/>
-            <a:ext cx="1" cy="410274"/>
+            <a:ext cx="2" cy="655092"/>
           </a:xfrm>
           <a:prstGeom prst="straightConnector1">
             <a:avLst/>

--- a/Draft/ASE_2017/dda_framework.pptx
+++ b/Draft/ASE_2017/dda_framework.pptx
@@ -2,12 +2,12 @@
 <file path=ppt/presentation.xml><?xml version="1.0" encoding="utf-8"?>
 <p:presentation xmlns:a="http://schemas.openxmlformats.org/drawingml/2006/main" xmlns:r="http://schemas.openxmlformats.org/officeDocument/2006/relationships" xmlns:p="http://schemas.openxmlformats.org/presentationml/2006/main" saveSubsetFonts="1" autoCompressPictures="0">
   <p:sldMasterIdLst>
-    <p:sldMasterId id="2147483660" r:id="rId1"/>
+    <p:sldMasterId id="2147483672" r:id="rId1"/>
   </p:sldMasterIdLst>
   <p:sldIdLst>
     <p:sldId id="256" r:id="rId2"/>
   </p:sldIdLst>
-  <p:sldSz cx="9144000" cy="6858000" type="screen4x3"/>
+  <p:sldSz cx="9144000" cy="5715000" type="screen16x10"/>
   <p:notesSz cx="6858000" cy="9144000"/>
   <p:defaultTextStyle>
     <a:defPPr>
@@ -136,15 +136,15 @@
         </p:nvSpPr>
         <p:spPr>
           <a:xfrm>
-            <a:off x="685800" y="1122363"/>
-            <a:ext cx="7772400" cy="2387600"/>
+            <a:off x="1143000" y="935302"/>
+            <a:ext cx="6858000" cy="1989667"/>
           </a:xfrm>
         </p:spPr>
         <p:txBody>
           <a:bodyPr anchor="b"/>
           <a:lstStyle>
             <a:lvl1pPr algn="ctr">
-              <a:defRPr sz="6000"/>
+              <a:defRPr sz="4500"/>
             </a:lvl1pPr>
           </a:lstStyle>
           <a:p>
@@ -168,8 +168,8 @@
         </p:nvSpPr>
         <p:spPr>
           <a:xfrm>
-            <a:off x="1143000" y="3602038"/>
-            <a:ext cx="6858000" cy="1655762"/>
+            <a:off x="1143000" y="3001698"/>
+            <a:ext cx="6858000" cy="1379802"/>
           </a:xfrm>
         </p:spPr>
         <p:txBody>
@@ -177,39 +177,39 @@
           <a:lstStyle>
             <a:lvl1pPr marL="0" indent="0" algn="ctr">
               <a:buNone/>
-              <a:defRPr sz="2400"/>
+              <a:defRPr sz="1800"/>
             </a:lvl1pPr>
-            <a:lvl2pPr marL="457200" indent="0" algn="ctr">
-              <a:buNone/>
-              <a:defRPr sz="2000"/>
+            <a:lvl2pPr marL="342900" indent="0" algn="ctr">
+              <a:buNone/>
+              <a:defRPr sz="1500"/>
             </a:lvl2pPr>
-            <a:lvl3pPr marL="914400" indent="0" algn="ctr">
-              <a:buNone/>
-              <a:defRPr sz="1800"/>
+            <a:lvl3pPr marL="685800" indent="0" algn="ctr">
+              <a:buNone/>
+              <a:defRPr sz="1350"/>
             </a:lvl3pPr>
-            <a:lvl4pPr marL="1371600" indent="0" algn="ctr">
-              <a:buNone/>
-              <a:defRPr sz="1600"/>
+            <a:lvl4pPr marL="1028700" indent="0" algn="ctr">
+              <a:buNone/>
+              <a:defRPr sz="1200"/>
             </a:lvl4pPr>
-            <a:lvl5pPr marL="1828800" indent="0" algn="ctr">
-              <a:buNone/>
-              <a:defRPr sz="1600"/>
+            <a:lvl5pPr marL="1371600" indent="0" algn="ctr">
+              <a:buNone/>
+              <a:defRPr sz="1200"/>
             </a:lvl5pPr>
-            <a:lvl6pPr marL="2286000" indent="0" algn="ctr">
-              <a:buNone/>
-              <a:defRPr sz="1600"/>
+            <a:lvl6pPr marL="1714500" indent="0" algn="ctr">
+              <a:buNone/>
+              <a:defRPr sz="1200"/>
             </a:lvl6pPr>
-            <a:lvl7pPr marL="2743200" indent="0" algn="ctr">
-              <a:buNone/>
-              <a:defRPr sz="1600"/>
+            <a:lvl7pPr marL="2057400" indent="0" algn="ctr">
+              <a:buNone/>
+              <a:defRPr sz="1200"/>
             </a:lvl7pPr>
-            <a:lvl8pPr marL="3200400" indent="0" algn="ctr">
-              <a:buNone/>
-              <a:defRPr sz="1600"/>
+            <a:lvl8pPr marL="2400300" indent="0" algn="ctr">
+              <a:buNone/>
+              <a:defRPr sz="1200"/>
             </a:lvl8pPr>
-            <a:lvl9pPr marL="3657600" indent="0" algn="ctr">
-              <a:buNone/>
-              <a:defRPr sz="1600"/>
+            <a:lvl9pPr marL="2743200" indent="0" algn="ctr">
+              <a:buNone/>
+              <a:defRPr sz="1200"/>
             </a:lvl9pPr>
           </a:lstStyle>
           <a:p>
@@ -488,8 +488,8 @@
         </p:nvSpPr>
         <p:spPr>
           <a:xfrm>
-            <a:off x="6543675" y="365125"/>
-            <a:ext cx="1971675" cy="5811838"/>
+            <a:off x="6543675" y="304271"/>
+            <a:ext cx="1971675" cy="4843198"/>
           </a:xfrm>
         </p:spPr>
         <p:txBody>
@@ -516,8 +516,8 @@
         </p:nvSpPr>
         <p:spPr>
           <a:xfrm>
-            <a:off x="628650" y="365125"/>
-            <a:ext cx="5800725" cy="5811838"/>
+            <a:off x="628650" y="304271"/>
+            <a:ext cx="5800725" cy="4843198"/>
           </a:xfrm>
         </p:spPr>
         <p:txBody>
@@ -828,15 +828,15 @@
         </p:nvSpPr>
         <p:spPr>
           <a:xfrm>
-            <a:off x="623888" y="1709739"/>
-            <a:ext cx="7886700" cy="2852737"/>
+            <a:off x="623888" y="1424782"/>
+            <a:ext cx="7886700" cy="2377281"/>
           </a:xfrm>
         </p:spPr>
         <p:txBody>
           <a:bodyPr anchor="b"/>
           <a:lstStyle>
             <a:lvl1pPr>
-              <a:defRPr sz="6000"/>
+              <a:defRPr sz="4500"/>
             </a:lvl1pPr>
           </a:lstStyle>
           <a:p>
@@ -860,8 +860,8 @@
         </p:nvSpPr>
         <p:spPr>
           <a:xfrm>
-            <a:off x="623888" y="4589464"/>
-            <a:ext cx="7886700" cy="1500187"/>
+            <a:off x="623888" y="3824553"/>
+            <a:ext cx="7886700" cy="1250156"/>
           </a:xfrm>
         </p:spPr>
         <p:txBody>
@@ -869,15 +869,17 @@
           <a:lstStyle>
             <a:lvl1pPr marL="0" indent="0">
               <a:buNone/>
-              <a:defRPr sz="2400">
+              <a:defRPr sz="1800">
                 <a:solidFill>
-                  <a:schemeClr val="tx1"/>
+                  <a:schemeClr val="tx1">
+                    <a:tint val="75000"/>
+                  </a:schemeClr>
                 </a:solidFill>
               </a:defRPr>
             </a:lvl1pPr>
-            <a:lvl2pPr marL="457200" indent="0">
-              <a:buNone/>
-              <a:defRPr sz="2000">
+            <a:lvl2pPr marL="342900" indent="0">
+              <a:buNone/>
+              <a:defRPr sz="1500">
                 <a:solidFill>
                   <a:schemeClr val="tx1">
                     <a:tint val="75000"/>
@@ -885,9 +887,9 @@
                 </a:solidFill>
               </a:defRPr>
             </a:lvl2pPr>
-            <a:lvl3pPr marL="914400" indent="0">
-              <a:buNone/>
-              <a:defRPr sz="1800">
+            <a:lvl3pPr marL="685800" indent="0">
+              <a:buNone/>
+              <a:defRPr sz="1350">
                 <a:solidFill>
                   <a:schemeClr val="tx1">
                     <a:tint val="75000"/>
@@ -895,9 +897,9 @@
                 </a:solidFill>
               </a:defRPr>
             </a:lvl3pPr>
-            <a:lvl4pPr marL="1371600" indent="0">
-              <a:buNone/>
-              <a:defRPr sz="1600">
+            <a:lvl4pPr marL="1028700" indent="0">
+              <a:buNone/>
+              <a:defRPr sz="1200">
                 <a:solidFill>
                   <a:schemeClr val="tx1">
                     <a:tint val="75000"/>
@@ -905,9 +907,9 @@
                 </a:solidFill>
               </a:defRPr>
             </a:lvl4pPr>
-            <a:lvl5pPr marL="1828800" indent="0">
-              <a:buNone/>
-              <a:defRPr sz="1600">
+            <a:lvl5pPr marL="1371600" indent="0">
+              <a:buNone/>
+              <a:defRPr sz="1200">
                 <a:solidFill>
                   <a:schemeClr val="tx1">
                     <a:tint val="75000"/>
@@ -915,9 +917,9 @@
                 </a:solidFill>
               </a:defRPr>
             </a:lvl5pPr>
-            <a:lvl6pPr marL="2286000" indent="0">
-              <a:buNone/>
-              <a:defRPr sz="1600">
+            <a:lvl6pPr marL="1714500" indent="0">
+              <a:buNone/>
+              <a:defRPr sz="1200">
                 <a:solidFill>
                   <a:schemeClr val="tx1">
                     <a:tint val="75000"/>
@@ -925,9 +927,9 @@
                 </a:solidFill>
               </a:defRPr>
             </a:lvl6pPr>
-            <a:lvl7pPr marL="2743200" indent="0">
-              <a:buNone/>
-              <a:defRPr sz="1600">
+            <a:lvl7pPr marL="2057400" indent="0">
+              <a:buNone/>
+              <a:defRPr sz="1200">
                 <a:solidFill>
                   <a:schemeClr val="tx1">
                     <a:tint val="75000"/>
@@ -935,9 +937,9 @@
                 </a:solidFill>
               </a:defRPr>
             </a:lvl7pPr>
-            <a:lvl8pPr marL="3200400" indent="0">
-              <a:buNone/>
-              <a:defRPr sz="1600">
+            <a:lvl8pPr marL="2400300" indent="0">
+              <a:buNone/>
+              <a:defRPr sz="1200">
                 <a:solidFill>
                   <a:schemeClr val="tx1">
                     <a:tint val="75000"/>
@@ -945,9 +947,9 @@
                 </a:solidFill>
               </a:defRPr>
             </a:lvl8pPr>
-            <a:lvl9pPr marL="3657600" indent="0">
-              <a:buNone/>
-              <a:defRPr sz="1600">
+            <a:lvl9pPr marL="2743200" indent="0">
+              <a:buNone/>
+              <a:defRPr sz="1200">
                 <a:solidFill>
                   <a:schemeClr val="tx1">
                     <a:tint val="75000"/>
@@ -1090,8 +1092,8 @@
         </p:nvSpPr>
         <p:spPr>
           <a:xfrm>
-            <a:off x="628650" y="1825625"/>
-            <a:ext cx="3886200" cy="4351338"/>
+            <a:off x="628650" y="1521354"/>
+            <a:ext cx="3886200" cy="3626115"/>
           </a:xfrm>
         </p:spPr>
         <p:txBody>
@@ -1147,8 +1149,8 @@
         </p:nvSpPr>
         <p:spPr>
           <a:xfrm>
-            <a:off x="4629150" y="1825625"/>
-            <a:ext cx="3886200" cy="4351338"/>
+            <a:off x="4629150" y="1521354"/>
+            <a:ext cx="3886200" cy="3626115"/>
           </a:xfrm>
         </p:spPr>
         <p:txBody>
@@ -1294,8 +1296,8 @@
         </p:nvSpPr>
         <p:spPr>
           <a:xfrm>
-            <a:off x="629841" y="365126"/>
-            <a:ext cx="7886700" cy="1325563"/>
+            <a:off x="629841" y="304271"/>
+            <a:ext cx="7886700" cy="1104636"/>
           </a:xfrm>
         </p:spPr>
         <p:txBody>
@@ -1322,8 +1324,8 @@
         </p:nvSpPr>
         <p:spPr>
           <a:xfrm>
-            <a:off x="629842" y="1681163"/>
-            <a:ext cx="3868340" cy="823912"/>
+            <a:off x="629842" y="1400969"/>
+            <a:ext cx="3868340" cy="686593"/>
           </a:xfrm>
         </p:spPr>
         <p:txBody>
@@ -1331,39 +1333,39 @@
           <a:lstStyle>
             <a:lvl1pPr marL="0" indent="0">
               <a:buNone/>
-              <a:defRPr sz="2400" b="1"/>
+              <a:defRPr sz="1800" b="1"/>
             </a:lvl1pPr>
-            <a:lvl2pPr marL="457200" indent="0">
-              <a:buNone/>
-              <a:defRPr sz="2000" b="1"/>
+            <a:lvl2pPr marL="342900" indent="0">
+              <a:buNone/>
+              <a:defRPr sz="1500" b="1"/>
             </a:lvl2pPr>
-            <a:lvl3pPr marL="914400" indent="0">
-              <a:buNone/>
-              <a:defRPr sz="1800" b="1"/>
+            <a:lvl3pPr marL="685800" indent="0">
+              <a:buNone/>
+              <a:defRPr sz="1350" b="1"/>
             </a:lvl3pPr>
-            <a:lvl4pPr marL="1371600" indent="0">
-              <a:buNone/>
-              <a:defRPr sz="1600" b="1"/>
+            <a:lvl4pPr marL="1028700" indent="0">
+              <a:buNone/>
+              <a:defRPr sz="1200" b="1"/>
             </a:lvl4pPr>
-            <a:lvl5pPr marL="1828800" indent="0">
-              <a:buNone/>
-              <a:defRPr sz="1600" b="1"/>
+            <a:lvl5pPr marL="1371600" indent="0">
+              <a:buNone/>
+              <a:defRPr sz="1200" b="1"/>
             </a:lvl5pPr>
-            <a:lvl6pPr marL="2286000" indent="0">
-              <a:buNone/>
-              <a:defRPr sz="1600" b="1"/>
+            <a:lvl6pPr marL="1714500" indent="0">
+              <a:buNone/>
+              <a:defRPr sz="1200" b="1"/>
             </a:lvl6pPr>
-            <a:lvl7pPr marL="2743200" indent="0">
-              <a:buNone/>
-              <a:defRPr sz="1600" b="1"/>
+            <a:lvl7pPr marL="2057400" indent="0">
+              <a:buNone/>
+              <a:defRPr sz="1200" b="1"/>
             </a:lvl7pPr>
-            <a:lvl8pPr marL="3200400" indent="0">
-              <a:buNone/>
-              <a:defRPr sz="1600" b="1"/>
+            <a:lvl8pPr marL="2400300" indent="0">
+              <a:buNone/>
+              <a:defRPr sz="1200" b="1"/>
             </a:lvl8pPr>
-            <a:lvl9pPr marL="3657600" indent="0">
-              <a:buNone/>
-              <a:defRPr sz="1600" b="1"/>
+            <a:lvl9pPr marL="2743200" indent="0">
+              <a:buNone/>
+              <a:defRPr sz="1200" b="1"/>
             </a:lvl9pPr>
           </a:lstStyle>
           <a:p>
@@ -1387,8 +1389,8 @@
         </p:nvSpPr>
         <p:spPr>
           <a:xfrm>
-            <a:off x="629842" y="2505075"/>
-            <a:ext cx="3868340" cy="3684588"/>
+            <a:off x="629842" y="2087563"/>
+            <a:ext cx="3868340" cy="3070490"/>
           </a:xfrm>
         </p:spPr>
         <p:txBody>
@@ -1444,8 +1446,8 @@
         </p:nvSpPr>
         <p:spPr>
           <a:xfrm>
-            <a:off x="4629150" y="1681163"/>
-            <a:ext cx="3887391" cy="823912"/>
+            <a:off x="4629150" y="1400969"/>
+            <a:ext cx="3887391" cy="686593"/>
           </a:xfrm>
         </p:spPr>
         <p:txBody>
@@ -1453,39 +1455,39 @@
           <a:lstStyle>
             <a:lvl1pPr marL="0" indent="0">
               <a:buNone/>
-              <a:defRPr sz="2400" b="1"/>
+              <a:defRPr sz="1800" b="1"/>
             </a:lvl1pPr>
-            <a:lvl2pPr marL="457200" indent="0">
-              <a:buNone/>
-              <a:defRPr sz="2000" b="1"/>
+            <a:lvl2pPr marL="342900" indent="0">
+              <a:buNone/>
+              <a:defRPr sz="1500" b="1"/>
             </a:lvl2pPr>
-            <a:lvl3pPr marL="914400" indent="0">
-              <a:buNone/>
-              <a:defRPr sz="1800" b="1"/>
+            <a:lvl3pPr marL="685800" indent="0">
+              <a:buNone/>
+              <a:defRPr sz="1350" b="1"/>
             </a:lvl3pPr>
-            <a:lvl4pPr marL="1371600" indent="0">
-              <a:buNone/>
-              <a:defRPr sz="1600" b="1"/>
+            <a:lvl4pPr marL="1028700" indent="0">
+              <a:buNone/>
+              <a:defRPr sz="1200" b="1"/>
             </a:lvl4pPr>
-            <a:lvl5pPr marL="1828800" indent="0">
-              <a:buNone/>
-              <a:defRPr sz="1600" b="1"/>
+            <a:lvl5pPr marL="1371600" indent="0">
+              <a:buNone/>
+              <a:defRPr sz="1200" b="1"/>
             </a:lvl5pPr>
-            <a:lvl6pPr marL="2286000" indent="0">
-              <a:buNone/>
-              <a:defRPr sz="1600" b="1"/>
+            <a:lvl6pPr marL="1714500" indent="0">
+              <a:buNone/>
+              <a:defRPr sz="1200" b="1"/>
             </a:lvl6pPr>
-            <a:lvl7pPr marL="2743200" indent="0">
-              <a:buNone/>
-              <a:defRPr sz="1600" b="1"/>
+            <a:lvl7pPr marL="2057400" indent="0">
+              <a:buNone/>
+              <a:defRPr sz="1200" b="1"/>
             </a:lvl7pPr>
-            <a:lvl8pPr marL="3200400" indent="0">
-              <a:buNone/>
-              <a:defRPr sz="1600" b="1"/>
+            <a:lvl8pPr marL="2400300" indent="0">
+              <a:buNone/>
+              <a:defRPr sz="1200" b="1"/>
             </a:lvl8pPr>
-            <a:lvl9pPr marL="3657600" indent="0">
-              <a:buNone/>
-              <a:defRPr sz="1600" b="1"/>
+            <a:lvl9pPr marL="2743200" indent="0">
+              <a:buNone/>
+              <a:defRPr sz="1200" b="1"/>
             </a:lvl9pPr>
           </a:lstStyle>
           <a:p>
@@ -1509,8 +1511,8 @@
         </p:nvSpPr>
         <p:spPr>
           <a:xfrm>
-            <a:off x="4629150" y="2505075"/>
-            <a:ext cx="3887391" cy="3684588"/>
+            <a:off x="4629150" y="2087563"/>
+            <a:ext cx="3887391" cy="3070490"/>
           </a:xfrm>
         </p:spPr>
         <p:txBody>
@@ -1859,15 +1861,15 @@
         </p:nvSpPr>
         <p:spPr>
           <a:xfrm>
-            <a:off x="629841" y="457200"/>
-            <a:ext cx="2949178" cy="1600200"/>
+            <a:off x="629841" y="381000"/>
+            <a:ext cx="2949178" cy="1333500"/>
           </a:xfrm>
         </p:spPr>
         <p:txBody>
           <a:bodyPr anchor="b"/>
           <a:lstStyle>
             <a:lvl1pPr>
-              <a:defRPr sz="3200"/>
+              <a:defRPr sz="2400"/>
             </a:lvl1pPr>
           </a:lstStyle>
           <a:p>
@@ -1891,39 +1893,39 @@
         </p:nvSpPr>
         <p:spPr>
           <a:xfrm>
-            <a:off x="3887391" y="987426"/>
-            <a:ext cx="4629150" cy="4873625"/>
+            <a:off x="3887391" y="822855"/>
+            <a:ext cx="4629150" cy="4061354"/>
           </a:xfrm>
         </p:spPr>
         <p:txBody>
           <a:bodyPr/>
           <a:lstStyle>
             <a:lvl1pPr>
-              <a:defRPr sz="3200"/>
+              <a:defRPr sz="2400"/>
             </a:lvl1pPr>
             <a:lvl2pPr>
-              <a:defRPr sz="2800"/>
+              <a:defRPr sz="2100"/>
             </a:lvl2pPr>
             <a:lvl3pPr>
-              <a:defRPr sz="2400"/>
+              <a:defRPr sz="1800"/>
             </a:lvl3pPr>
             <a:lvl4pPr>
-              <a:defRPr sz="2000"/>
+              <a:defRPr sz="1500"/>
             </a:lvl4pPr>
             <a:lvl5pPr>
-              <a:defRPr sz="2000"/>
+              <a:defRPr sz="1500"/>
             </a:lvl5pPr>
             <a:lvl6pPr>
-              <a:defRPr sz="2000"/>
+              <a:defRPr sz="1500"/>
             </a:lvl6pPr>
             <a:lvl7pPr>
-              <a:defRPr sz="2000"/>
+              <a:defRPr sz="1500"/>
             </a:lvl7pPr>
             <a:lvl8pPr>
-              <a:defRPr sz="2000"/>
+              <a:defRPr sz="1500"/>
             </a:lvl8pPr>
             <a:lvl9pPr>
-              <a:defRPr sz="2000"/>
+              <a:defRPr sz="1500"/>
             </a:lvl9pPr>
           </a:lstStyle>
           <a:p>
@@ -1976,8 +1978,8 @@
         </p:nvSpPr>
         <p:spPr>
           <a:xfrm>
-            <a:off x="629841" y="2057400"/>
-            <a:ext cx="2949178" cy="3811588"/>
+            <a:off x="629841" y="1714500"/>
+            <a:ext cx="2949178" cy="3176323"/>
           </a:xfrm>
         </p:spPr>
         <p:txBody>
@@ -1985,39 +1987,39 @@
           <a:lstStyle>
             <a:lvl1pPr marL="0" indent="0">
               <a:buNone/>
-              <a:defRPr sz="1600"/>
+              <a:defRPr sz="1200"/>
             </a:lvl1pPr>
-            <a:lvl2pPr marL="457200" indent="0">
-              <a:buNone/>
-              <a:defRPr sz="1400"/>
+            <a:lvl2pPr marL="342900" indent="0">
+              <a:buNone/>
+              <a:defRPr sz="1050"/>
             </a:lvl2pPr>
-            <a:lvl3pPr marL="914400" indent="0">
-              <a:buNone/>
-              <a:defRPr sz="1200"/>
+            <a:lvl3pPr marL="685800" indent="0">
+              <a:buNone/>
+              <a:defRPr sz="900"/>
             </a:lvl3pPr>
-            <a:lvl4pPr marL="1371600" indent="0">
-              <a:buNone/>
-              <a:defRPr sz="1000"/>
+            <a:lvl4pPr marL="1028700" indent="0">
+              <a:buNone/>
+              <a:defRPr sz="750"/>
             </a:lvl4pPr>
-            <a:lvl5pPr marL="1828800" indent="0">
-              <a:buNone/>
-              <a:defRPr sz="1000"/>
+            <a:lvl5pPr marL="1371600" indent="0">
+              <a:buNone/>
+              <a:defRPr sz="750"/>
             </a:lvl5pPr>
-            <a:lvl6pPr marL="2286000" indent="0">
-              <a:buNone/>
-              <a:defRPr sz="1000"/>
+            <a:lvl6pPr marL="1714500" indent="0">
+              <a:buNone/>
+              <a:defRPr sz="750"/>
             </a:lvl6pPr>
-            <a:lvl7pPr marL="2743200" indent="0">
-              <a:buNone/>
-              <a:defRPr sz="1000"/>
+            <a:lvl7pPr marL="2057400" indent="0">
+              <a:buNone/>
+              <a:defRPr sz="750"/>
             </a:lvl7pPr>
-            <a:lvl8pPr marL="3200400" indent="0">
-              <a:buNone/>
-              <a:defRPr sz="1000"/>
+            <a:lvl8pPr marL="2400300" indent="0">
+              <a:buNone/>
+              <a:defRPr sz="750"/>
             </a:lvl8pPr>
-            <a:lvl9pPr marL="3657600" indent="0">
-              <a:buNone/>
-              <a:defRPr sz="1000"/>
+            <a:lvl9pPr marL="2743200" indent="0">
+              <a:buNone/>
+              <a:defRPr sz="750"/>
             </a:lvl9pPr>
           </a:lstStyle>
           <a:p>
@@ -2131,15 +2133,15 @@
         </p:nvSpPr>
         <p:spPr>
           <a:xfrm>
-            <a:off x="629841" y="457200"/>
-            <a:ext cx="2949178" cy="1600200"/>
+            <a:off x="629841" y="381000"/>
+            <a:ext cx="2949178" cy="1333500"/>
           </a:xfrm>
         </p:spPr>
         <p:txBody>
           <a:bodyPr anchor="b"/>
           <a:lstStyle>
             <a:lvl1pPr>
-              <a:defRPr sz="3200"/>
+              <a:defRPr sz="2400"/>
             </a:lvl1pPr>
           </a:lstStyle>
           <a:p>
@@ -2163,8 +2165,8 @@
         </p:nvSpPr>
         <p:spPr>
           <a:xfrm>
-            <a:off x="3887391" y="987426"/>
-            <a:ext cx="4629150" cy="4873625"/>
+            <a:off x="3887391" y="822855"/>
+            <a:ext cx="4629150" cy="4061354"/>
           </a:xfrm>
         </p:spPr>
         <p:txBody>
@@ -2172,39 +2174,39 @@
           <a:lstStyle>
             <a:lvl1pPr marL="0" indent="0">
               <a:buNone/>
-              <a:defRPr sz="3200"/>
+              <a:defRPr sz="2400"/>
             </a:lvl1pPr>
-            <a:lvl2pPr marL="457200" indent="0">
-              <a:buNone/>
-              <a:defRPr sz="2800"/>
+            <a:lvl2pPr marL="342900" indent="0">
+              <a:buNone/>
+              <a:defRPr sz="2100"/>
             </a:lvl2pPr>
-            <a:lvl3pPr marL="914400" indent="0">
-              <a:buNone/>
-              <a:defRPr sz="2400"/>
+            <a:lvl3pPr marL="685800" indent="0">
+              <a:buNone/>
+              <a:defRPr sz="1800"/>
             </a:lvl3pPr>
-            <a:lvl4pPr marL="1371600" indent="0">
-              <a:buNone/>
-              <a:defRPr sz="2000"/>
+            <a:lvl4pPr marL="1028700" indent="0">
+              <a:buNone/>
+              <a:defRPr sz="1500"/>
             </a:lvl4pPr>
-            <a:lvl5pPr marL="1828800" indent="0">
-              <a:buNone/>
-              <a:defRPr sz="2000"/>
+            <a:lvl5pPr marL="1371600" indent="0">
+              <a:buNone/>
+              <a:defRPr sz="1500"/>
             </a:lvl5pPr>
-            <a:lvl6pPr marL="2286000" indent="0">
-              <a:buNone/>
-              <a:defRPr sz="2000"/>
+            <a:lvl6pPr marL="1714500" indent="0">
+              <a:buNone/>
+              <a:defRPr sz="1500"/>
             </a:lvl6pPr>
-            <a:lvl7pPr marL="2743200" indent="0">
-              <a:buNone/>
-              <a:defRPr sz="2000"/>
+            <a:lvl7pPr marL="2057400" indent="0">
+              <a:buNone/>
+              <a:defRPr sz="1500"/>
             </a:lvl7pPr>
-            <a:lvl8pPr marL="3200400" indent="0">
-              <a:buNone/>
-              <a:defRPr sz="2000"/>
+            <a:lvl8pPr marL="2400300" indent="0">
+              <a:buNone/>
+              <a:defRPr sz="1500"/>
             </a:lvl8pPr>
-            <a:lvl9pPr marL="3657600" indent="0">
-              <a:buNone/>
-              <a:defRPr sz="2000"/>
+            <a:lvl9pPr marL="2743200" indent="0">
+              <a:buNone/>
+              <a:defRPr sz="1500"/>
             </a:lvl9pPr>
           </a:lstStyle>
           <a:p>
@@ -2228,8 +2230,8 @@
         </p:nvSpPr>
         <p:spPr>
           <a:xfrm>
-            <a:off x="629841" y="2057400"/>
-            <a:ext cx="2949178" cy="3811588"/>
+            <a:off x="629841" y="1714500"/>
+            <a:ext cx="2949178" cy="3176323"/>
           </a:xfrm>
         </p:spPr>
         <p:txBody>
@@ -2237,39 +2239,39 @@
           <a:lstStyle>
             <a:lvl1pPr marL="0" indent="0">
               <a:buNone/>
-              <a:defRPr sz="1600"/>
+              <a:defRPr sz="1200"/>
             </a:lvl1pPr>
-            <a:lvl2pPr marL="457200" indent="0">
-              <a:buNone/>
-              <a:defRPr sz="1400"/>
+            <a:lvl2pPr marL="342900" indent="0">
+              <a:buNone/>
+              <a:defRPr sz="1050"/>
             </a:lvl2pPr>
-            <a:lvl3pPr marL="914400" indent="0">
-              <a:buNone/>
-              <a:defRPr sz="1200"/>
+            <a:lvl3pPr marL="685800" indent="0">
+              <a:buNone/>
+              <a:defRPr sz="900"/>
             </a:lvl3pPr>
-            <a:lvl4pPr marL="1371600" indent="0">
-              <a:buNone/>
-              <a:defRPr sz="1000"/>
+            <a:lvl4pPr marL="1028700" indent="0">
+              <a:buNone/>
+              <a:defRPr sz="750"/>
             </a:lvl4pPr>
-            <a:lvl5pPr marL="1828800" indent="0">
-              <a:buNone/>
-              <a:defRPr sz="1000"/>
+            <a:lvl5pPr marL="1371600" indent="0">
+              <a:buNone/>
+              <a:defRPr sz="750"/>
             </a:lvl5pPr>
-            <a:lvl6pPr marL="2286000" indent="0">
-              <a:buNone/>
-              <a:defRPr sz="1000"/>
+            <a:lvl6pPr marL="1714500" indent="0">
+              <a:buNone/>
+              <a:defRPr sz="750"/>
             </a:lvl6pPr>
-            <a:lvl7pPr marL="2743200" indent="0">
-              <a:buNone/>
-              <a:defRPr sz="1000"/>
+            <a:lvl7pPr marL="2057400" indent="0">
+              <a:buNone/>
+              <a:defRPr sz="750"/>
             </a:lvl7pPr>
-            <a:lvl8pPr marL="3200400" indent="0">
-              <a:buNone/>
-              <a:defRPr sz="1000"/>
+            <a:lvl8pPr marL="2400300" indent="0">
+              <a:buNone/>
+              <a:defRPr sz="750"/>
             </a:lvl8pPr>
-            <a:lvl9pPr marL="3657600" indent="0">
-              <a:buNone/>
-              <a:defRPr sz="1000"/>
+            <a:lvl9pPr marL="2743200" indent="0">
+              <a:buNone/>
+              <a:defRPr sz="750"/>
             </a:lvl9pPr>
           </a:lstStyle>
           <a:p>
@@ -2388,8 +2390,8 @@
         </p:nvSpPr>
         <p:spPr>
           <a:xfrm>
-            <a:off x="628650" y="365126"/>
-            <a:ext cx="7886700" cy="1325563"/>
+            <a:off x="628650" y="304271"/>
+            <a:ext cx="7886700" cy="1104636"/>
           </a:xfrm>
           <a:prstGeom prst="rect">
             <a:avLst/>
@@ -2421,8 +2423,8 @@
         </p:nvSpPr>
         <p:spPr>
           <a:xfrm>
-            <a:off x="628650" y="1825625"/>
-            <a:ext cx="7886700" cy="4351338"/>
+            <a:off x="628650" y="1521354"/>
+            <a:ext cx="7886700" cy="3626115"/>
           </a:xfrm>
           <a:prstGeom prst="rect">
             <a:avLst/>
@@ -2483,8 +2485,8 @@
         </p:nvSpPr>
         <p:spPr>
           <a:xfrm>
-            <a:off x="628650" y="6356351"/>
-            <a:ext cx="2057400" cy="365125"/>
+            <a:off x="628650" y="5296959"/>
+            <a:ext cx="2057400" cy="304271"/>
           </a:xfrm>
           <a:prstGeom prst="rect">
             <a:avLst/>
@@ -2494,7 +2496,7 @@
           <a:bodyPr vert="horz" lIns="91440" tIns="45720" rIns="91440" bIns="45720" rtlCol="0" anchor="ctr"/>
           <a:lstStyle>
             <a:lvl1pPr algn="l">
-              <a:defRPr sz="1200">
+              <a:defRPr sz="900">
                 <a:solidFill>
                   <a:schemeClr val="tx1">
                     <a:tint val="75000"/>
@@ -2524,8 +2526,8 @@
         </p:nvSpPr>
         <p:spPr>
           <a:xfrm>
-            <a:off x="3028950" y="6356351"/>
-            <a:ext cx="3086100" cy="365125"/>
+            <a:off x="3028950" y="5296959"/>
+            <a:ext cx="3086100" cy="304271"/>
           </a:xfrm>
           <a:prstGeom prst="rect">
             <a:avLst/>
@@ -2535,7 +2537,7 @@
           <a:bodyPr vert="horz" lIns="91440" tIns="45720" rIns="91440" bIns="45720" rtlCol="0" anchor="ctr"/>
           <a:lstStyle>
             <a:lvl1pPr algn="ctr">
-              <a:defRPr sz="1200">
+              <a:defRPr sz="900">
                 <a:solidFill>
                   <a:schemeClr val="tx1">
                     <a:tint val="75000"/>
@@ -2561,8 +2563,8 @@
         </p:nvSpPr>
         <p:spPr>
           <a:xfrm>
-            <a:off x="6457950" y="6356351"/>
-            <a:ext cx="2057400" cy="365125"/>
+            <a:off x="6457950" y="5296959"/>
+            <a:ext cx="2057400" cy="304271"/>
           </a:xfrm>
           <a:prstGeom prst="rect">
             <a:avLst/>
@@ -2572,7 +2574,7 @@
           <a:bodyPr vert="horz" lIns="91440" tIns="45720" rIns="91440" bIns="45720" rtlCol="0" anchor="ctr"/>
           <a:lstStyle>
             <a:lvl1pPr algn="r">
-              <a:defRPr sz="1200">
+              <a:defRPr sz="900">
                 <a:solidFill>
                   <a:schemeClr val="tx1">
                     <a:tint val="75000"/>
@@ -2593,27 +2595,27 @@
     </p:spTree>
     <p:extLst>
       <p:ext uri="{BB962C8B-B14F-4D97-AF65-F5344CB8AC3E}">
-        <p14:creationId xmlns:p14="http://schemas.microsoft.com/office/powerpoint/2010/main" val="1221577326"/>
+        <p14:creationId xmlns:p14="http://schemas.microsoft.com/office/powerpoint/2010/main" val="1337897175"/>
       </p:ext>
     </p:extLst>
   </p:cSld>
   <p:clrMap bg1="lt1" tx1="dk1" bg2="lt2" tx2="dk2" accent1="accent1" accent2="accent2" accent3="accent3" accent4="accent4" accent5="accent5" accent6="accent6" hlink="hlink" folHlink="folHlink"/>
   <p:sldLayoutIdLst>
-    <p:sldLayoutId id="2147483661" r:id="rId1"/>
-    <p:sldLayoutId id="2147483662" r:id="rId2"/>
-    <p:sldLayoutId id="2147483663" r:id="rId3"/>
-    <p:sldLayoutId id="2147483664" r:id="rId4"/>
-    <p:sldLayoutId id="2147483665" r:id="rId5"/>
-    <p:sldLayoutId id="2147483666" r:id="rId6"/>
-    <p:sldLayoutId id="2147483667" r:id="rId7"/>
-    <p:sldLayoutId id="2147483668" r:id="rId8"/>
-    <p:sldLayoutId id="2147483669" r:id="rId9"/>
-    <p:sldLayoutId id="2147483670" r:id="rId10"/>
-    <p:sldLayoutId id="2147483671" r:id="rId11"/>
+    <p:sldLayoutId id="2147483673" r:id="rId1"/>
+    <p:sldLayoutId id="2147483674" r:id="rId2"/>
+    <p:sldLayoutId id="2147483675" r:id="rId3"/>
+    <p:sldLayoutId id="2147483676" r:id="rId4"/>
+    <p:sldLayoutId id="2147483677" r:id="rId5"/>
+    <p:sldLayoutId id="2147483678" r:id="rId6"/>
+    <p:sldLayoutId id="2147483679" r:id="rId7"/>
+    <p:sldLayoutId id="2147483680" r:id="rId8"/>
+    <p:sldLayoutId id="2147483681" r:id="rId9"/>
+    <p:sldLayoutId id="2147483682" r:id="rId10"/>
+    <p:sldLayoutId id="2147483683" r:id="rId11"/>
   </p:sldLayoutIdLst>
   <p:txStyles>
     <p:titleStyle>
-      <a:lvl1pPr algn="l" defTabSz="914400" rtl="0" eaLnBrk="1" latinLnBrk="0" hangingPunct="1">
+      <a:lvl1pPr algn="l" defTabSz="685800" rtl="0" eaLnBrk="1" latinLnBrk="0" hangingPunct="1">
         <a:lnSpc>
           <a:spcPct val="90000"/>
         </a:lnSpc>
@@ -2621,7 +2623,7 @@
           <a:spcPct val="0"/>
         </a:spcBef>
         <a:buNone/>
-        <a:defRPr sz="4400" kern="1200">
+        <a:defRPr sz="3300" kern="1200">
           <a:solidFill>
             <a:schemeClr val="tx1"/>
           </a:solidFill>
@@ -2632,16 +2634,16 @@
       </a:lvl1pPr>
     </p:titleStyle>
     <p:bodyStyle>
-      <a:lvl1pPr marL="228600" indent="-228600" algn="l" defTabSz="914400" rtl="0" eaLnBrk="1" latinLnBrk="0" hangingPunct="1">
+      <a:lvl1pPr marL="171450" indent="-171450" algn="l" defTabSz="685800" rtl="0" eaLnBrk="1" latinLnBrk="0" hangingPunct="1">
         <a:lnSpc>
           <a:spcPct val="90000"/>
         </a:lnSpc>
         <a:spcBef>
-          <a:spcPts val="1000"/>
+          <a:spcPts val="750"/>
         </a:spcBef>
         <a:buFont typeface="Arial" panose="020B0604020202020204" pitchFamily="34" charset="0"/>
         <a:buChar char="•"/>
-        <a:defRPr sz="2800" kern="1200">
+        <a:defRPr sz="2100" kern="1200">
           <a:solidFill>
             <a:schemeClr val="tx1"/>
           </a:solidFill>
@@ -2650,48 +2652,12 @@
           <a:cs typeface="+mn-cs"/>
         </a:defRPr>
       </a:lvl1pPr>
-      <a:lvl2pPr marL="685800" indent="-228600" algn="l" defTabSz="914400" rtl="0" eaLnBrk="1" latinLnBrk="0" hangingPunct="1">
+      <a:lvl2pPr marL="514350" indent="-171450" algn="l" defTabSz="685800" rtl="0" eaLnBrk="1" latinLnBrk="0" hangingPunct="1">
         <a:lnSpc>
           <a:spcPct val="90000"/>
         </a:lnSpc>
         <a:spcBef>
-          <a:spcPts val="500"/>
-        </a:spcBef>
-        <a:buFont typeface="Arial" panose="020B0604020202020204" pitchFamily="34" charset="0"/>
-        <a:buChar char="•"/>
-        <a:defRPr sz="2400" kern="1200">
-          <a:solidFill>
-            <a:schemeClr val="tx1"/>
-          </a:solidFill>
-          <a:latin typeface="+mn-lt"/>
-          <a:ea typeface="+mn-ea"/>
-          <a:cs typeface="+mn-cs"/>
-        </a:defRPr>
-      </a:lvl2pPr>
-      <a:lvl3pPr marL="1143000" indent="-228600" algn="l" defTabSz="914400" rtl="0" eaLnBrk="1" latinLnBrk="0" hangingPunct="1">
-        <a:lnSpc>
-          <a:spcPct val="90000"/>
-        </a:lnSpc>
-        <a:spcBef>
-          <a:spcPts val="500"/>
-        </a:spcBef>
-        <a:buFont typeface="Arial" panose="020B0604020202020204" pitchFamily="34" charset="0"/>
-        <a:buChar char="•"/>
-        <a:defRPr sz="2000" kern="1200">
-          <a:solidFill>
-            <a:schemeClr val="tx1"/>
-          </a:solidFill>
-          <a:latin typeface="+mn-lt"/>
-          <a:ea typeface="+mn-ea"/>
-          <a:cs typeface="+mn-cs"/>
-        </a:defRPr>
-      </a:lvl3pPr>
-      <a:lvl4pPr marL="1600200" indent="-228600" algn="l" defTabSz="914400" rtl="0" eaLnBrk="1" latinLnBrk="0" hangingPunct="1">
-        <a:lnSpc>
-          <a:spcPct val="90000"/>
-        </a:lnSpc>
-        <a:spcBef>
-          <a:spcPts val="500"/>
+          <a:spcPts val="375"/>
         </a:spcBef>
         <a:buFont typeface="Arial" panose="020B0604020202020204" pitchFamily="34" charset="0"/>
         <a:buChar char="•"/>
@@ -2703,17 +2669,53 @@
           <a:ea typeface="+mn-ea"/>
           <a:cs typeface="+mn-cs"/>
         </a:defRPr>
-      </a:lvl4pPr>
-      <a:lvl5pPr marL="2057400" indent="-228600" algn="l" defTabSz="914400" rtl="0" eaLnBrk="1" latinLnBrk="0" hangingPunct="1">
+      </a:lvl2pPr>
+      <a:lvl3pPr marL="857250" indent="-171450" algn="l" defTabSz="685800" rtl="0" eaLnBrk="1" latinLnBrk="0" hangingPunct="1">
         <a:lnSpc>
           <a:spcPct val="90000"/>
         </a:lnSpc>
         <a:spcBef>
-          <a:spcPts val="500"/>
+          <a:spcPts val="375"/>
         </a:spcBef>
         <a:buFont typeface="Arial" panose="020B0604020202020204" pitchFamily="34" charset="0"/>
         <a:buChar char="•"/>
-        <a:defRPr sz="1800" kern="1200">
+        <a:defRPr sz="1500" kern="1200">
+          <a:solidFill>
+            <a:schemeClr val="tx1"/>
+          </a:solidFill>
+          <a:latin typeface="+mn-lt"/>
+          <a:ea typeface="+mn-ea"/>
+          <a:cs typeface="+mn-cs"/>
+        </a:defRPr>
+      </a:lvl3pPr>
+      <a:lvl4pPr marL="1200150" indent="-171450" algn="l" defTabSz="685800" rtl="0" eaLnBrk="1" latinLnBrk="0" hangingPunct="1">
+        <a:lnSpc>
+          <a:spcPct val="90000"/>
+        </a:lnSpc>
+        <a:spcBef>
+          <a:spcPts val="375"/>
+        </a:spcBef>
+        <a:buFont typeface="Arial" panose="020B0604020202020204" pitchFamily="34" charset="0"/>
+        <a:buChar char="•"/>
+        <a:defRPr sz="1350" kern="1200">
+          <a:solidFill>
+            <a:schemeClr val="tx1"/>
+          </a:solidFill>
+          <a:latin typeface="+mn-lt"/>
+          <a:ea typeface="+mn-ea"/>
+          <a:cs typeface="+mn-cs"/>
+        </a:defRPr>
+      </a:lvl4pPr>
+      <a:lvl5pPr marL="1543050" indent="-171450" algn="l" defTabSz="685800" rtl="0" eaLnBrk="1" latinLnBrk="0" hangingPunct="1">
+        <a:lnSpc>
+          <a:spcPct val="90000"/>
+        </a:lnSpc>
+        <a:spcBef>
+          <a:spcPts val="375"/>
+        </a:spcBef>
+        <a:buFont typeface="Arial" panose="020B0604020202020204" pitchFamily="34" charset="0"/>
+        <a:buChar char="•"/>
+        <a:defRPr sz="1350" kern="1200">
           <a:solidFill>
             <a:schemeClr val="tx1"/>
           </a:solidFill>
@@ -2722,16 +2724,16 @@
           <a:cs typeface="+mn-cs"/>
         </a:defRPr>
       </a:lvl5pPr>
-      <a:lvl6pPr marL="2514600" indent="-228600" algn="l" defTabSz="914400" rtl="0" eaLnBrk="1" latinLnBrk="0" hangingPunct="1">
+      <a:lvl6pPr marL="1885950" indent="-171450" algn="l" defTabSz="685800" rtl="0" eaLnBrk="1" latinLnBrk="0" hangingPunct="1">
         <a:lnSpc>
           <a:spcPct val="90000"/>
         </a:lnSpc>
         <a:spcBef>
-          <a:spcPts val="500"/>
+          <a:spcPts val="375"/>
         </a:spcBef>
         <a:buFont typeface="Arial" panose="020B0604020202020204" pitchFamily="34" charset="0"/>
         <a:buChar char="•"/>
-        <a:defRPr sz="1800" kern="1200">
+        <a:defRPr sz="1350" kern="1200">
           <a:solidFill>
             <a:schemeClr val="tx1"/>
           </a:solidFill>
@@ -2740,16 +2742,16 @@
           <a:cs typeface="+mn-cs"/>
         </a:defRPr>
       </a:lvl6pPr>
-      <a:lvl7pPr marL="2971800" indent="-228600" algn="l" defTabSz="914400" rtl="0" eaLnBrk="1" latinLnBrk="0" hangingPunct="1">
+      <a:lvl7pPr marL="2228850" indent="-171450" algn="l" defTabSz="685800" rtl="0" eaLnBrk="1" latinLnBrk="0" hangingPunct="1">
         <a:lnSpc>
           <a:spcPct val="90000"/>
         </a:lnSpc>
         <a:spcBef>
-          <a:spcPts val="500"/>
+          <a:spcPts val="375"/>
         </a:spcBef>
         <a:buFont typeface="Arial" panose="020B0604020202020204" pitchFamily="34" charset="0"/>
         <a:buChar char="•"/>
-        <a:defRPr sz="1800" kern="1200">
+        <a:defRPr sz="1350" kern="1200">
           <a:solidFill>
             <a:schemeClr val="tx1"/>
           </a:solidFill>
@@ -2758,16 +2760,16 @@
           <a:cs typeface="+mn-cs"/>
         </a:defRPr>
       </a:lvl7pPr>
-      <a:lvl8pPr marL="3429000" indent="-228600" algn="l" defTabSz="914400" rtl="0" eaLnBrk="1" latinLnBrk="0" hangingPunct="1">
+      <a:lvl8pPr marL="2571750" indent="-171450" algn="l" defTabSz="685800" rtl="0" eaLnBrk="1" latinLnBrk="0" hangingPunct="1">
         <a:lnSpc>
           <a:spcPct val="90000"/>
         </a:lnSpc>
         <a:spcBef>
-          <a:spcPts val="500"/>
+          <a:spcPts val="375"/>
         </a:spcBef>
         <a:buFont typeface="Arial" panose="020B0604020202020204" pitchFamily="34" charset="0"/>
         <a:buChar char="•"/>
-        <a:defRPr sz="1800" kern="1200">
+        <a:defRPr sz="1350" kern="1200">
           <a:solidFill>
             <a:schemeClr val="tx1"/>
           </a:solidFill>
@@ -2776,16 +2778,16 @@
           <a:cs typeface="+mn-cs"/>
         </a:defRPr>
       </a:lvl8pPr>
-      <a:lvl9pPr marL="3886200" indent="-228600" algn="l" defTabSz="914400" rtl="0" eaLnBrk="1" latinLnBrk="0" hangingPunct="1">
+      <a:lvl9pPr marL="2914650" indent="-171450" algn="l" defTabSz="685800" rtl="0" eaLnBrk="1" latinLnBrk="0" hangingPunct="1">
         <a:lnSpc>
           <a:spcPct val="90000"/>
         </a:lnSpc>
         <a:spcBef>
-          <a:spcPts val="500"/>
+          <a:spcPts val="375"/>
         </a:spcBef>
         <a:buFont typeface="Arial" panose="020B0604020202020204" pitchFamily="34" charset="0"/>
         <a:buChar char="•"/>
-        <a:defRPr sz="1800" kern="1200">
+        <a:defRPr sz="1350" kern="1200">
           <a:solidFill>
             <a:schemeClr val="tx1"/>
           </a:solidFill>
@@ -2799,8 +2801,8 @@
       <a:defPPr>
         <a:defRPr lang="en-US"/>
       </a:defPPr>
-      <a:lvl1pPr marL="0" algn="l" defTabSz="914400" rtl="0" eaLnBrk="1" latinLnBrk="0" hangingPunct="1">
-        <a:defRPr sz="1800" kern="1200">
+      <a:lvl1pPr marL="0" algn="l" defTabSz="685800" rtl="0" eaLnBrk="1" latinLnBrk="0" hangingPunct="1">
+        <a:defRPr sz="1350" kern="1200">
           <a:solidFill>
             <a:schemeClr val="tx1"/>
           </a:solidFill>
@@ -2809,8 +2811,8 @@
           <a:cs typeface="+mn-cs"/>
         </a:defRPr>
       </a:lvl1pPr>
-      <a:lvl2pPr marL="457200" algn="l" defTabSz="914400" rtl="0" eaLnBrk="1" latinLnBrk="0" hangingPunct="1">
-        <a:defRPr sz="1800" kern="1200">
+      <a:lvl2pPr marL="342900" algn="l" defTabSz="685800" rtl="0" eaLnBrk="1" latinLnBrk="0" hangingPunct="1">
+        <a:defRPr sz="1350" kern="1200">
           <a:solidFill>
             <a:schemeClr val="tx1"/>
           </a:solidFill>
@@ -2819,8 +2821,8 @@
           <a:cs typeface="+mn-cs"/>
         </a:defRPr>
       </a:lvl2pPr>
-      <a:lvl3pPr marL="914400" algn="l" defTabSz="914400" rtl="0" eaLnBrk="1" latinLnBrk="0" hangingPunct="1">
-        <a:defRPr sz="1800" kern="1200">
+      <a:lvl3pPr marL="685800" algn="l" defTabSz="685800" rtl="0" eaLnBrk="1" latinLnBrk="0" hangingPunct="1">
+        <a:defRPr sz="1350" kern="1200">
           <a:solidFill>
             <a:schemeClr val="tx1"/>
           </a:solidFill>
@@ -2829,8 +2831,8 @@
           <a:cs typeface="+mn-cs"/>
         </a:defRPr>
       </a:lvl3pPr>
-      <a:lvl4pPr marL="1371600" algn="l" defTabSz="914400" rtl="0" eaLnBrk="1" latinLnBrk="0" hangingPunct="1">
-        <a:defRPr sz="1800" kern="1200">
+      <a:lvl4pPr marL="1028700" algn="l" defTabSz="685800" rtl="0" eaLnBrk="1" latinLnBrk="0" hangingPunct="1">
+        <a:defRPr sz="1350" kern="1200">
           <a:solidFill>
             <a:schemeClr val="tx1"/>
           </a:solidFill>
@@ -2839,8 +2841,8 @@
           <a:cs typeface="+mn-cs"/>
         </a:defRPr>
       </a:lvl4pPr>
-      <a:lvl5pPr marL="1828800" algn="l" defTabSz="914400" rtl="0" eaLnBrk="1" latinLnBrk="0" hangingPunct="1">
-        <a:defRPr sz="1800" kern="1200">
+      <a:lvl5pPr marL="1371600" algn="l" defTabSz="685800" rtl="0" eaLnBrk="1" latinLnBrk="0" hangingPunct="1">
+        <a:defRPr sz="1350" kern="1200">
           <a:solidFill>
             <a:schemeClr val="tx1"/>
           </a:solidFill>
@@ -2849,8 +2851,8 @@
           <a:cs typeface="+mn-cs"/>
         </a:defRPr>
       </a:lvl5pPr>
-      <a:lvl6pPr marL="2286000" algn="l" defTabSz="914400" rtl="0" eaLnBrk="1" latinLnBrk="0" hangingPunct="1">
-        <a:defRPr sz="1800" kern="1200">
+      <a:lvl6pPr marL="1714500" algn="l" defTabSz="685800" rtl="0" eaLnBrk="1" latinLnBrk="0" hangingPunct="1">
+        <a:defRPr sz="1350" kern="1200">
           <a:solidFill>
             <a:schemeClr val="tx1"/>
           </a:solidFill>
@@ -2859,8 +2861,8 @@
           <a:cs typeface="+mn-cs"/>
         </a:defRPr>
       </a:lvl6pPr>
-      <a:lvl7pPr marL="2743200" algn="l" defTabSz="914400" rtl="0" eaLnBrk="1" latinLnBrk="0" hangingPunct="1">
-        <a:defRPr sz="1800" kern="1200">
+      <a:lvl7pPr marL="2057400" algn="l" defTabSz="685800" rtl="0" eaLnBrk="1" latinLnBrk="0" hangingPunct="1">
+        <a:defRPr sz="1350" kern="1200">
           <a:solidFill>
             <a:schemeClr val="tx1"/>
           </a:solidFill>
@@ -2869,8 +2871,8 @@
           <a:cs typeface="+mn-cs"/>
         </a:defRPr>
       </a:lvl7pPr>
-      <a:lvl8pPr marL="3200400" algn="l" defTabSz="914400" rtl="0" eaLnBrk="1" latinLnBrk="0" hangingPunct="1">
-        <a:defRPr sz="1800" kern="1200">
+      <a:lvl8pPr marL="2400300" algn="l" defTabSz="685800" rtl="0" eaLnBrk="1" latinLnBrk="0" hangingPunct="1">
+        <a:defRPr sz="1350" kern="1200">
           <a:solidFill>
             <a:schemeClr val="tx1"/>
           </a:solidFill>
@@ -2879,8 +2881,8 @@
           <a:cs typeface="+mn-cs"/>
         </a:defRPr>
       </a:lvl8pPr>
-      <a:lvl9pPr marL="3657600" algn="l" defTabSz="914400" rtl="0" eaLnBrk="1" latinLnBrk="0" hangingPunct="1">
-        <a:defRPr sz="1800" kern="1200">
+      <a:lvl9pPr marL="2743200" algn="l" defTabSz="685800" rtl="0" eaLnBrk="1" latinLnBrk="0" hangingPunct="1">
+        <a:defRPr sz="1350" kern="1200">
           <a:solidFill>
             <a:schemeClr val="tx1"/>
           </a:solidFill>
@@ -2919,8 +2921,8 @@
         </p:nvGrpSpPr>
         <p:grpSpPr>
           <a:xfrm>
-            <a:off x="1240325" y="896293"/>
-            <a:ext cx="6451525" cy="5078994"/>
+            <a:off x="1795605" y="746911"/>
+            <a:ext cx="5376271" cy="4232495"/>
             <a:chOff x="1258432" y="430488"/>
             <a:chExt cx="6451525" cy="5952205"/>
           </a:xfrm>
@@ -2971,11 +2973,16 @@
             </a:fontRef>
           </p:style>
           <p:txBody>
-            <a:bodyPr rtlCol="0" anchor="ctr"/>
+            <a:bodyPr rot="0" spcFirstLastPara="0" vertOverflow="overflow" horzOverflow="overflow" vert="horz" wrap="square" lIns="76200" tIns="38100" rIns="76200" bIns="38100" numCol="1" spcCol="0" rtlCol="0" fromWordArt="0" anchor="ctr" anchorCtr="0" forceAA="0" compatLnSpc="1">
+              <a:prstTxWarp prst="textNoShape">
+                <a:avLst/>
+              </a:prstTxWarp>
+              <a:noAutofit/>
+            </a:bodyPr>
             <a:lstStyle/>
             <a:p>
               <a:pPr algn="ctr"/>
-              <a:endParaRPr lang="en-US"/>
+              <a:endParaRPr lang="en-US" sz="1500"/>
             </a:p>
           </p:txBody>
         </p:sp>
@@ -3025,11 +3032,16 @@
             </a:fontRef>
           </p:style>
           <p:txBody>
-            <a:bodyPr rtlCol="0" anchor="ctr"/>
+            <a:bodyPr rot="0" spcFirstLastPara="0" vertOverflow="overflow" horzOverflow="overflow" vert="horz" wrap="square" lIns="76200" tIns="38100" rIns="76200" bIns="38100" numCol="1" spcCol="0" rtlCol="0" fromWordArt="0" anchor="ctr" anchorCtr="0" forceAA="0" compatLnSpc="1">
+              <a:prstTxWarp prst="textNoShape">
+                <a:avLst/>
+              </a:prstTxWarp>
+              <a:noAutofit/>
+            </a:bodyPr>
             <a:lstStyle/>
             <a:p>
               <a:pPr algn="ctr"/>
-              <a:endParaRPr lang="en-US"/>
+              <a:endParaRPr lang="en-US" sz="1500"/>
             </a:p>
           </p:txBody>
         </p:sp>
@@ -3079,11 +3091,16 @@
             </a:fontRef>
           </p:style>
           <p:txBody>
-            <a:bodyPr rtlCol="0" anchor="ctr"/>
+            <a:bodyPr rot="0" spcFirstLastPara="0" vertOverflow="overflow" horzOverflow="overflow" vert="horz" wrap="square" lIns="76200" tIns="38100" rIns="76200" bIns="38100" numCol="1" spcCol="0" rtlCol="0" fromWordArt="0" anchor="ctr" anchorCtr="0" forceAA="0" compatLnSpc="1">
+              <a:prstTxWarp prst="textNoShape">
+                <a:avLst/>
+              </a:prstTxWarp>
+              <a:noAutofit/>
+            </a:bodyPr>
             <a:lstStyle/>
             <a:p>
               <a:pPr algn="ctr"/>
-              <a:endParaRPr lang="en-US"/>
+              <a:endParaRPr lang="en-US" sz="1500"/>
             </a:p>
           </p:txBody>
         </p:sp>
@@ -3118,7 +3135,7 @@
             </a:fontRef>
           </p:style>
           <p:txBody>
-            <a:bodyPr rot="0" spcFirstLastPara="0" vertOverflow="overflow" horzOverflow="overflow" vert="horz" wrap="square" lIns="91440" tIns="45720" rIns="91440" bIns="45720" numCol="1" spcCol="0" rtlCol="0" fromWordArt="0" anchor="ctr" anchorCtr="0" forceAA="0" compatLnSpc="1">
+            <a:bodyPr rot="0" spcFirstLastPara="0" vertOverflow="overflow" horzOverflow="overflow" vert="horz" wrap="square" lIns="76200" tIns="38100" rIns="76200" bIns="38100" numCol="1" spcCol="0" rtlCol="0" fromWordArt="0" anchor="ctr" anchorCtr="0" forceAA="0" compatLnSpc="1">
               <a:prstTxWarp prst="textNoShape">
                 <a:avLst/>
               </a:prstTxWarp>
@@ -3128,7 +3145,7 @@
             <a:p>
               <a:pPr algn="ctr"/>
               <a:r>
-                <a:rPr lang="en-US" dirty="0"/>
+                <a:rPr lang="en-US" sz="1500" dirty="0"/>
                 <a:t>Input layer</a:t>
               </a:r>
             </a:p>
@@ -3165,7 +3182,7 @@
             </a:fontRef>
           </p:style>
           <p:txBody>
-            <a:bodyPr rot="0" spcFirstLastPara="0" vertOverflow="overflow" horzOverflow="overflow" vert="horz" wrap="square" lIns="91440" tIns="45720" rIns="91440" bIns="45720" numCol="1" spcCol="0" rtlCol="0" fromWordArt="0" anchor="ctr" anchorCtr="0" forceAA="0" compatLnSpc="1">
+            <a:bodyPr rot="0" spcFirstLastPara="0" vertOverflow="overflow" horzOverflow="overflow" vert="horz" wrap="square" lIns="76200" tIns="38100" rIns="76200" bIns="38100" numCol="1" spcCol="0" rtlCol="0" fromWordArt="0" anchor="ctr" anchorCtr="0" forceAA="0" compatLnSpc="1">
               <a:prstTxWarp prst="textNoShape">
                 <a:avLst/>
               </a:prstTxWarp>
@@ -3175,14 +3192,9 @@
             <a:p>
               <a:pPr algn="ctr"/>
               <a:r>
-                <a:rPr lang="en-US" dirty="0"/>
-                <a:t>Hidden </a:t>
+                <a:rPr lang="en-US" sz="1500" dirty="0"/>
+                <a:t>Hidden layer(s)</a:t>
               </a:r>
-              <a:r>
-                <a:rPr lang="en-US" dirty="0" smtClean="0"/>
-                <a:t>layer(s)</a:t>
-              </a:r>
-              <a:endParaRPr lang="en-US" dirty="0"/>
             </a:p>
           </p:txBody>
         </p:sp>
@@ -3217,7 +3229,7 @@
             </a:fontRef>
           </p:style>
           <p:txBody>
-            <a:bodyPr rot="0" spcFirstLastPara="0" vertOverflow="overflow" horzOverflow="overflow" vert="horz" wrap="square" lIns="91440" tIns="45720" rIns="91440" bIns="45720" numCol="1" spcCol="0" rtlCol="0" fromWordArt="0" anchor="ctr" anchorCtr="0" forceAA="0" compatLnSpc="1">
+            <a:bodyPr rot="0" spcFirstLastPara="0" vertOverflow="overflow" horzOverflow="overflow" vert="horz" wrap="square" lIns="76200" tIns="38100" rIns="76200" bIns="38100" numCol="1" spcCol="0" rtlCol="0" fromWordArt="0" anchor="ctr" anchorCtr="0" forceAA="0" compatLnSpc="1">
               <a:prstTxWarp prst="textNoShape">
                 <a:avLst/>
               </a:prstTxWarp>
@@ -3227,10 +3239,10 @@
             <a:p>
               <a:pPr algn="ctr"/>
               <a:r>
-                <a:rPr lang="en-US"/>
+                <a:rPr lang="en-US" sz="1500"/>
                 <a:t>Embedding layer</a:t>
               </a:r>
-              <a:endParaRPr lang="en-US" dirty="0"/>
+              <a:endParaRPr lang="en-US" sz="1500" dirty="0"/>
             </a:p>
           </p:txBody>
         </p:sp>
@@ -3265,7 +3277,7 @@
             </a:fontRef>
           </p:style>
           <p:txBody>
-            <a:bodyPr rot="0" spcFirstLastPara="0" vertOverflow="overflow" horzOverflow="overflow" vert="horz" wrap="square" lIns="91440" tIns="45720" rIns="91440" bIns="45720" numCol="1" spcCol="0" rtlCol="0" fromWordArt="0" anchor="ctr" anchorCtr="0" forceAA="0" compatLnSpc="1">
+            <a:bodyPr rot="0" spcFirstLastPara="0" vertOverflow="overflow" horzOverflow="overflow" vert="horz" wrap="square" lIns="76200" tIns="38100" rIns="76200" bIns="38100" numCol="1" spcCol="0" rtlCol="0" fromWordArt="0" anchor="ctr" anchorCtr="0" forceAA="0" compatLnSpc="1">
               <a:prstTxWarp prst="textNoShape">
                 <a:avLst/>
               </a:prstTxWarp>
@@ -3275,14 +3287,9 @@
             <a:p>
               <a:pPr algn="ctr"/>
               <a:r>
-                <a:rPr lang="en-US" dirty="0"/>
-                <a:t>Hidden </a:t>
+                <a:rPr lang="en-US" sz="1500" dirty="0"/>
+                <a:t>Hidden layer(s)</a:t>
               </a:r>
-              <a:r>
-                <a:rPr lang="en-US" dirty="0" smtClean="0"/>
-                <a:t>layer(s)</a:t>
-              </a:r>
-              <a:endParaRPr lang="en-US" dirty="0"/>
             </a:p>
           </p:txBody>
         </p:sp>
@@ -3317,7 +3324,7 @@
             </a:fontRef>
           </p:style>
           <p:txBody>
-            <a:bodyPr rot="0" spcFirstLastPara="0" vertOverflow="overflow" horzOverflow="overflow" vert="horz" wrap="square" lIns="91440" tIns="45720" rIns="91440" bIns="45720" numCol="1" spcCol="0" rtlCol="0" fromWordArt="0" anchor="ctr" anchorCtr="0" forceAA="0" compatLnSpc="1">
+            <a:bodyPr rot="0" spcFirstLastPara="0" vertOverflow="overflow" horzOverflow="overflow" vert="horz" wrap="square" lIns="76200" tIns="38100" rIns="76200" bIns="38100" numCol="1" spcCol="0" rtlCol="0" fromWordArt="0" anchor="ctr" anchorCtr="0" forceAA="0" compatLnSpc="1">
               <a:prstTxWarp prst="textNoShape">
                 <a:avLst/>
               </a:prstTxWarp>
@@ -3327,7 +3334,7 @@
             <a:p>
               <a:pPr algn="ctr"/>
               <a:r>
-                <a:rPr lang="en-US" dirty="0"/>
+                <a:rPr lang="en-US" sz="1500" dirty="0"/>
                 <a:t>Output layer</a:t>
               </a:r>
             </a:p>
@@ -3364,7 +3371,7 @@
             </a:fontRef>
           </p:style>
           <p:txBody>
-            <a:bodyPr rot="0" spcFirstLastPara="0" vertOverflow="overflow" horzOverflow="overflow" vert="horz" wrap="square" lIns="91440" tIns="45720" rIns="91440" bIns="45720" numCol="1" spcCol="0" rtlCol="0" fromWordArt="0" anchor="ctr" anchorCtr="0" forceAA="0" compatLnSpc="1">
+            <a:bodyPr rot="0" spcFirstLastPara="0" vertOverflow="overflow" horzOverflow="overflow" vert="horz" wrap="square" lIns="76200" tIns="38100" rIns="76200" bIns="38100" numCol="1" spcCol="0" rtlCol="0" fromWordArt="0" anchor="ctr" anchorCtr="0" forceAA="0" compatLnSpc="1">
               <a:prstTxWarp prst="textNoShape">
                 <a:avLst/>
               </a:prstTxWarp>
@@ -3374,10 +3381,9 @@
             <a:p>
               <a:pPr algn="ctr"/>
               <a:r>
-                <a:rPr lang="en-US" dirty="0" smtClean="0"/>
+                <a:rPr lang="en-US" sz="1500" dirty="0"/>
                 <a:t>Reconstruction layer</a:t>
               </a:r>
-              <a:endParaRPr lang="en-US" dirty="0"/>
             </a:p>
           </p:txBody>
         </p:sp>
@@ -3412,7 +3418,7 @@
             </a:fontRef>
           </p:style>
           <p:txBody>
-            <a:bodyPr rot="0" spcFirstLastPara="0" vertOverflow="overflow" horzOverflow="overflow" vert="horz" wrap="square" lIns="91440" tIns="45720" rIns="91440" bIns="45720" numCol="1" spcCol="0" rtlCol="0" fromWordArt="0" anchor="ctr" anchorCtr="0" forceAA="0" compatLnSpc="1">
+            <a:bodyPr rot="0" spcFirstLastPara="0" vertOverflow="overflow" horzOverflow="overflow" vert="horz" wrap="square" lIns="76200" tIns="38100" rIns="76200" bIns="38100" numCol="1" spcCol="0" rtlCol="0" fromWordArt="0" anchor="ctr" anchorCtr="0" forceAA="0" compatLnSpc="1">
               <a:prstTxWarp prst="textNoShape">
                 <a:avLst/>
               </a:prstTxWarp>
@@ -3422,14 +3428,9 @@
             <a:p>
               <a:pPr algn="ctr"/>
               <a:r>
-                <a:rPr lang="en-US" dirty="0"/>
-                <a:t>Hidden </a:t>
+                <a:rPr lang="en-US" sz="1500" dirty="0"/>
+                <a:t>Hidden layer(s)</a:t>
               </a:r>
-              <a:r>
-                <a:rPr lang="en-US" dirty="0" smtClean="0"/>
-                <a:t>layer(s)</a:t>
-              </a:r>
-              <a:endParaRPr lang="en-US" dirty="0"/>
             </a:p>
           </p:txBody>
         </p:sp>
@@ -3678,8 +3679,8 @@
         </p:nvSpPr>
         <p:spPr>
           <a:xfrm>
-            <a:off x="3539800" y="6320376"/>
-            <a:ext cx="1792586" cy="324868"/>
+            <a:off x="3711833" y="5266980"/>
+            <a:ext cx="1493822" cy="270723"/>
           </a:xfrm>
           <a:prstGeom prst="rect">
             <a:avLst/>
@@ -3706,12 +3707,17 @@
           </a:fontRef>
         </p:style>
         <p:txBody>
-          <a:bodyPr rtlCol="0" anchor="ctr"/>
+          <a:bodyPr rot="0" spcFirstLastPara="0" vertOverflow="overflow" horzOverflow="overflow" vert="horz" wrap="square" lIns="76200" tIns="38100" rIns="76200" bIns="38100" numCol="1" spcCol="0" rtlCol="0" fromWordArt="0" anchor="ctr" anchorCtr="0" forceAA="0" compatLnSpc="1">
+            <a:prstTxWarp prst="textNoShape">
+              <a:avLst/>
+            </a:prstTxWarp>
+            <a:noAutofit/>
+          </a:bodyPr>
           <a:lstStyle/>
           <a:p>
             <a:pPr algn="ctr"/>
             <a:r>
-              <a:rPr lang="en-US" dirty="0" smtClean="0">
+              <a:rPr lang="en-US" sz="1500" dirty="0">
                 <a:solidFill>
                   <a:schemeClr val="tx1"/>
                 </a:solidFill>
@@ -3719,18 +3725,13 @@
               <a:t>Input features </a:t>
             </a:r>
             <a:r>
-              <a:rPr lang="en-US" b="1" dirty="0" smtClean="0">
+              <a:rPr lang="en-US" sz="1500" b="1" dirty="0">
                 <a:solidFill>
                   <a:schemeClr val="tx1"/>
                 </a:solidFill>
               </a:rPr>
               <a:t>x</a:t>
             </a:r>
-            <a:endParaRPr lang="en-US" b="1" dirty="0">
-              <a:solidFill>
-                <a:schemeClr val="tx1"/>
-              </a:solidFill>
-            </a:endParaRPr>
           </a:p>
         </p:txBody>
       </p:sp>
@@ -3744,8 +3745,8 @@
         </p:nvCxnSpPr>
         <p:spPr>
           <a:xfrm flipV="1">
-            <a:off x="5332386" y="5686204"/>
-            <a:ext cx="1034253" cy="796606"/>
+            <a:off x="5205655" y="4738504"/>
+            <a:ext cx="861878" cy="663838"/>
           </a:xfrm>
           <a:prstGeom prst="straightConnector1">
             <a:avLst/>
@@ -3783,8 +3784,8 @@
         </p:nvCxnSpPr>
         <p:spPr>
           <a:xfrm flipH="1" flipV="1">
-            <a:off x="2586848" y="5704052"/>
-            <a:ext cx="952952" cy="778758"/>
+            <a:off x="2917707" y="4753377"/>
+            <a:ext cx="794127" cy="648965"/>
           </a:xfrm>
           <a:prstGeom prst="straightConnector1">
             <a:avLst/>
@@ -3819,8 +3820,8 @@
         </p:nvSpPr>
         <p:spPr>
           <a:xfrm>
-            <a:off x="3596273" y="161151"/>
-            <a:ext cx="1792586" cy="324868"/>
+            <a:off x="3758894" y="134293"/>
+            <a:ext cx="1493822" cy="270723"/>
           </a:xfrm>
           <a:prstGeom prst="rect">
             <a:avLst/>
@@ -3847,12 +3848,17 @@
           </a:fontRef>
         </p:style>
         <p:txBody>
-          <a:bodyPr rtlCol="0" anchor="ctr"/>
+          <a:bodyPr rot="0" spcFirstLastPara="0" vertOverflow="overflow" horzOverflow="overflow" vert="horz" wrap="square" lIns="76200" tIns="38100" rIns="76200" bIns="38100" numCol="1" spcCol="0" rtlCol="0" fromWordArt="0" anchor="ctr" anchorCtr="0" forceAA="0" compatLnSpc="1">
+            <a:prstTxWarp prst="textNoShape">
+              <a:avLst/>
+            </a:prstTxWarp>
+            <a:noAutofit/>
+          </a:bodyPr>
           <a:lstStyle/>
           <a:p>
             <a:pPr algn="ctr"/>
             <a:r>
-              <a:rPr lang="en-US" smtClean="0">
+              <a:rPr lang="en-US" sz="1500">
                 <a:solidFill>
                   <a:schemeClr val="tx1"/>
                 </a:solidFill>
@@ -3860,14 +3866,14 @@
               <a:t>Defect label </a:t>
             </a:r>
             <a:r>
-              <a:rPr lang="en-US" b="1">
+              <a:rPr lang="en-US" sz="1500" b="1">
                 <a:solidFill>
                   <a:schemeClr val="tx1"/>
                 </a:solidFill>
               </a:rPr>
               <a:t>y</a:t>
             </a:r>
-            <a:endParaRPr lang="en-US" b="1" dirty="0">
+            <a:endParaRPr lang="en-US" sz="1500" b="1" dirty="0">
               <a:solidFill>
                 <a:schemeClr val="tx1"/>
               </a:solidFill>
@@ -3885,8 +3891,8 @@
         </p:nvCxnSpPr>
         <p:spPr>
           <a:xfrm>
-            <a:off x="4492566" y="486019"/>
-            <a:ext cx="2" cy="655092"/>
+            <a:off x="4505805" y="405016"/>
+            <a:ext cx="2" cy="545910"/>
           </a:xfrm>
           <a:prstGeom prst="straightConnector1">
             <a:avLst/>
@@ -3921,8 +3927,8 @@
         </p:nvSpPr>
         <p:spPr>
           <a:xfrm>
-            <a:off x="5996033" y="1483950"/>
-            <a:ext cx="1662242" cy="646331"/>
+            <a:off x="5758694" y="1236625"/>
+            <a:ext cx="1385202" cy="553998"/>
           </a:xfrm>
           <a:prstGeom prst="rect">
             <a:avLst/>
@@ -3937,7 +3943,7 @@
           <a:p>
             <a:pPr algn="ctr"/>
             <a:r>
-              <a:rPr lang="en-US" dirty="0" smtClean="0">
+              <a:rPr lang="en-US" sz="1500" dirty="0">
                 <a:solidFill>
                   <a:schemeClr val="tx1">
                     <a:lumMod val="50000"/>
@@ -3948,7 +3954,7 @@
               <a:t>Discriminative function </a:t>
             </a:r>
             <a:r>
-              <a:rPr lang="en-US" b="1" i="1" dirty="0" smtClean="0">
+              <a:rPr lang="en-US" sz="1500" b="1" i="1" dirty="0">
                 <a:solidFill>
                   <a:schemeClr val="tx1">
                     <a:lumMod val="50000"/>
@@ -3958,14 +3964,6 @@
               </a:rPr>
               <a:t>g</a:t>
             </a:r>
-            <a:endParaRPr lang="en-US" b="1" i="1" dirty="0">
-              <a:solidFill>
-                <a:schemeClr val="tx1">
-                  <a:lumMod val="50000"/>
-                  <a:lumOff val="50000"/>
-                </a:schemeClr>
-              </a:solidFill>
-            </a:endParaRPr>
           </a:p>
         </p:txBody>
       </p:sp>
@@ -3977,8 +3975,8 @@
         </p:nvSpPr>
         <p:spPr>
           <a:xfrm>
-            <a:off x="39385" y="4634442"/>
-            <a:ext cx="1173943" cy="646331"/>
+            <a:off x="616619" y="3847612"/>
+            <a:ext cx="1053969" cy="553998"/>
           </a:xfrm>
           <a:prstGeom prst="rect">
             <a:avLst/>
@@ -3993,7 +3991,7 @@
           <a:p>
             <a:pPr algn="ctr"/>
             <a:r>
-              <a:rPr lang="en-US" smtClean="0">
+              <a:rPr lang="en-US" sz="1500">
                 <a:solidFill>
                   <a:schemeClr val="tx1">
                     <a:lumMod val="50000"/>
@@ -4004,7 +4002,7 @@
               <a:t>Encoding function </a:t>
             </a:r>
             <a:r>
-              <a:rPr lang="en-US" b="1" i="1" dirty="0">
+              <a:rPr lang="en-US" sz="1500" b="1" i="1" dirty="0">
                 <a:solidFill>
                   <a:schemeClr val="tx1">
                     <a:lumMod val="50000"/>
@@ -4014,14 +4012,6 @@
               </a:rPr>
               <a:t>f</a:t>
             </a:r>
-            <a:endParaRPr lang="en-US" b="1" i="1" dirty="0">
-              <a:solidFill>
-                <a:schemeClr val="tx1">
-                  <a:lumMod val="50000"/>
-                  <a:lumOff val="50000"/>
-                </a:schemeClr>
-              </a:solidFill>
-            </a:endParaRPr>
           </a:p>
         </p:txBody>
       </p:sp>
@@ -4033,8 +4023,8 @@
         </p:nvSpPr>
         <p:spPr>
           <a:xfrm>
-            <a:off x="7691849" y="4694923"/>
-            <a:ext cx="1239961" cy="646331"/>
+            <a:off x="7305963" y="3796247"/>
+            <a:ext cx="1062659" cy="553998"/>
           </a:xfrm>
           <a:prstGeom prst="rect">
             <a:avLst/>
@@ -4049,7 +4039,7 @@
           <a:p>
             <a:pPr algn="ctr"/>
             <a:r>
-              <a:rPr lang="en-US" dirty="0" smtClean="0">
+              <a:rPr lang="en-US" sz="1500" dirty="0">
                 <a:solidFill>
                   <a:schemeClr val="tx1">
                     <a:lumMod val="50000"/>
@@ -4060,7 +4050,7 @@
               <a:t>Decoding function </a:t>
             </a:r>
             <a:r>
-              <a:rPr lang="en-US" b="1" i="1" dirty="0" smtClean="0">
+              <a:rPr lang="en-US" sz="1500" b="1" i="1" dirty="0">
                 <a:solidFill>
                   <a:schemeClr val="tx1">
                     <a:lumMod val="50000"/>
@@ -4070,14 +4060,6 @@
               </a:rPr>
               <a:t>h</a:t>
             </a:r>
-            <a:endParaRPr lang="en-US" b="1" i="1" dirty="0">
-              <a:solidFill>
-                <a:schemeClr val="tx1">
-                  <a:lumMod val="50000"/>
-                  <a:lumOff val="50000"/>
-                </a:schemeClr>
-              </a:solidFill>
-            </a:endParaRPr>
           </a:p>
         </p:txBody>
       </p:sp>
